--- a/docs/BlindSocialPresentation.pptx
+++ b/docs/BlindSocialPresentation.pptx
@@ -6,6 +6,11 @@
   </p:sldMasterIdLst>
   <p:sldIdLst>
     <p:sldId id="256" r:id="rId2"/>
+    <p:sldId id="260" r:id="rId3"/>
+    <p:sldId id="257" r:id="rId4"/>
+    <p:sldId id="258" r:id="rId5"/>
+    <p:sldId id="261" r:id="rId6"/>
+    <p:sldId id="259" r:id="rId7"/>
   </p:sldIdLst>
   <p:sldSz cx="12192000" cy="6858000"/>
   <p:notesSz cx="6858000" cy="9144000"/>
@@ -104,6 +109,11 @@
       </a:defRPr>
     </a:lvl9pPr>
   </p:defaultTextStyle>
+  <p:extLst>
+    <p:ext uri="{EFAFB233-063F-42B5-8137-9DF3F51BA10A}">
+      <p15:sldGuideLst xmlns:p15="http://schemas.microsoft.com/office/powerpoint/2012/main"/>
+    </p:ext>
+  </p:extLst>
 </p:presentation>
 </file>
 
@@ -248,8 +258,13 @@
           <a:bodyPr/>
           <a:lstStyle/>
           <a:p>
+            <a:r>
+              <a:rPr lang="en-US" dirty="0"/>
+              <a:t>HACKATRIX - </a:t>
+            </a:r>
             <a:fld id="{48A87A34-81AB-432B-8DAE-1953F412C126}" type="datetimeFigureOut">
-              <a:rPr lang="en-US" dirty="0"/>
+              <a:rPr lang="en-US" smtClean="0"/>
+              <a:pPr/>
               <a:t>10/7/2017</a:t>
             </a:fld>
             <a:endParaRPr lang="en-US" dirty="0"/>
@@ -308,6 +323,36 @@
           </a:p>
         </p:txBody>
       </p:sp>
+      <p:pic>
+        <p:nvPicPr>
+          <p:cNvPr id="8" name="Picture 7">
+            <a:extLst>
+              <a:ext uri="{FF2B5EF4-FFF2-40B4-BE49-F238E27FC236}">
+                <a16:creationId xmlns:a16="http://schemas.microsoft.com/office/drawing/2014/main" id="{904C8ECF-D4EE-469B-9A8A-9B437DC40854}"/>
+              </a:ext>
+            </a:extLst>
+          </p:cNvPr>
+          <p:cNvPicPr>
+            <a:picLocks noChangeAspect="1"/>
+          </p:cNvPicPr>
+          <p:nvPr userDrawn="1"/>
+        </p:nvPicPr>
+        <p:blipFill>
+          <a:blip r:embed="rId2"/>
+          <a:stretch>
+            <a:fillRect/>
+          </a:stretch>
+        </p:blipFill>
+        <p:spPr>
+          <a:xfrm>
+            <a:off x="9914708" y="4876163"/>
+            <a:ext cx="1990682" cy="1260767"/>
+          </a:xfrm>
+          <a:prstGeom prst="rect">
+            <a:avLst/>
+          </a:prstGeom>
+        </p:spPr>
+      </p:pic>
     </p:spTree>
   </p:cSld>
   <p:clrMapOvr>
@@ -817,6 +862,36 @@
           </a:p>
         </p:txBody>
       </p:sp>
+      <p:pic>
+        <p:nvPicPr>
+          <p:cNvPr id="7" name="Picture 6">
+            <a:extLst>
+              <a:ext uri="{FF2B5EF4-FFF2-40B4-BE49-F238E27FC236}">
+                <a16:creationId xmlns:a16="http://schemas.microsoft.com/office/drawing/2014/main" id="{5E4A2BE0-ADD2-4394-B1BD-BAC185CF66F2}"/>
+              </a:ext>
+            </a:extLst>
+          </p:cNvPr>
+          <p:cNvPicPr>
+            <a:picLocks noChangeAspect="1"/>
+          </p:cNvPicPr>
+          <p:nvPr userDrawn="1"/>
+        </p:nvPicPr>
+        <p:blipFill>
+          <a:blip r:embed="rId2"/>
+          <a:stretch>
+            <a:fillRect/>
+          </a:stretch>
+        </p:blipFill>
+        <p:spPr>
+          <a:xfrm>
+            <a:off x="9914708" y="4876163"/>
+            <a:ext cx="1990682" cy="1260767"/>
+          </a:xfrm>
+          <a:prstGeom prst="rect">
+            <a:avLst/>
+          </a:prstGeom>
+        </p:spPr>
+      </p:pic>
     </p:spTree>
   </p:cSld>
   <p:clrMapOvr>
@@ -1060,6 +1135,36 @@
           </a:p>
         </p:txBody>
       </p:sp>
+      <p:pic>
+        <p:nvPicPr>
+          <p:cNvPr id="7" name="Picture 6">
+            <a:extLst>
+              <a:ext uri="{FF2B5EF4-FFF2-40B4-BE49-F238E27FC236}">
+                <a16:creationId xmlns:a16="http://schemas.microsoft.com/office/drawing/2014/main" id="{39499782-8CCE-4941-B8AE-3DF22B65D741}"/>
+              </a:ext>
+            </a:extLst>
+          </p:cNvPr>
+          <p:cNvPicPr>
+            <a:picLocks noChangeAspect="1"/>
+          </p:cNvPicPr>
+          <p:nvPr userDrawn="1"/>
+        </p:nvPicPr>
+        <p:blipFill>
+          <a:blip r:embed="rId2"/>
+          <a:stretch>
+            <a:fillRect/>
+          </a:stretch>
+        </p:blipFill>
+        <p:spPr>
+          <a:xfrm>
+            <a:off x="9914708" y="4876163"/>
+            <a:ext cx="1990682" cy="1260767"/>
+          </a:xfrm>
+          <a:prstGeom prst="rect">
+            <a:avLst/>
+          </a:prstGeom>
+        </p:spPr>
+      </p:pic>
     </p:spTree>
   </p:cSld>
   <p:clrMapOvr>
@@ -1292,6 +1397,36 @@
           </a:p>
         </p:txBody>
       </p:sp>
+      <p:pic>
+        <p:nvPicPr>
+          <p:cNvPr id="8" name="Picture 7">
+            <a:extLst>
+              <a:ext uri="{FF2B5EF4-FFF2-40B4-BE49-F238E27FC236}">
+                <a16:creationId xmlns:a16="http://schemas.microsoft.com/office/drawing/2014/main" id="{E70C025D-FD98-455D-802C-62ED0FE59B03}"/>
+              </a:ext>
+            </a:extLst>
+          </p:cNvPr>
+          <p:cNvPicPr>
+            <a:picLocks noChangeAspect="1"/>
+          </p:cNvPicPr>
+          <p:nvPr userDrawn="1"/>
+        </p:nvPicPr>
+        <p:blipFill>
+          <a:blip r:embed="rId2"/>
+          <a:stretch>
+            <a:fillRect/>
+          </a:stretch>
+        </p:blipFill>
+        <p:spPr>
+          <a:xfrm>
+            <a:off x="9914708" y="4876163"/>
+            <a:ext cx="1990682" cy="1260767"/>
+          </a:xfrm>
+          <a:prstGeom prst="rect">
+            <a:avLst/>
+          </a:prstGeom>
+        </p:spPr>
+      </p:pic>
     </p:spTree>
   </p:cSld>
   <p:clrMapOvr>
@@ -1672,6 +1807,36 @@
           </a:p>
         </p:txBody>
       </p:sp>
+      <p:pic>
+        <p:nvPicPr>
+          <p:cNvPr id="10" name="Picture 9">
+            <a:extLst>
+              <a:ext uri="{FF2B5EF4-FFF2-40B4-BE49-F238E27FC236}">
+                <a16:creationId xmlns:a16="http://schemas.microsoft.com/office/drawing/2014/main" id="{C52F2FE8-54A3-4921-9F17-ED15C231EE9C}"/>
+              </a:ext>
+            </a:extLst>
+          </p:cNvPr>
+          <p:cNvPicPr>
+            <a:picLocks noChangeAspect="1"/>
+          </p:cNvPicPr>
+          <p:nvPr userDrawn="1"/>
+        </p:nvPicPr>
+        <p:blipFill>
+          <a:blip r:embed="rId2"/>
+          <a:stretch>
+            <a:fillRect/>
+          </a:stretch>
+        </p:blipFill>
+        <p:spPr>
+          <a:xfrm>
+            <a:off x="9914708" y="4876163"/>
+            <a:ext cx="1990682" cy="1260767"/>
+          </a:xfrm>
+          <a:prstGeom prst="rect">
+            <a:avLst/>
+          </a:prstGeom>
+        </p:spPr>
+      </p:pic>
     </p:spTree>
   </p:cSld>
   <p:clrMapOvr>
@@ -1785,6 +1950,36 @@
           </a:p>
         </p:txBody>
       </p:sp>
+      <p:pic>
+        <p:nvPicPr>
+          <p:cNvPr id="6" name="Picture 5">
+            <a:extLst>
+              <a:ext uri="{FF2B5EF4-FFF2-40B4-BE49-F238E27FC236}">
+                <a16:creationId xmlns:a16="http://schemas.microsoft.com/office/drawing/2014/main" id="{0CB2532B-7679-4FD2-8F48-AA94290DAA91}"/>
+              </a:ext>
+            </a:extLst>
+          </p:cNvPr>
+          <p:cNvPicPr>
+            <a:picLocks noChangeAspect="1"/>
+          </p:cNvPicPr>
+          <p:nvPr userDrawn="1"/>
+        </p:nvPicPr>
+        <p:blipFill>
+          <a:blip r:embed="rId2"/>
+          <a:stretch>
+            <a:fillRect/>
+          </a:stretch>
+        </p:blipFill>
+        <p:spPr>
+          <a:xfrm>
+            <a:off x="9914708" y="4876163"/>
+            <a:ext cx="1990682" cy="1260767"/>
+          </a:xfrm>
+          <a:prstGeom prst="rect">
+            <a:avLst/>
+          </a:prstGeom>
+        </p:spPr>
+      </p:pic>
     </p:spTree>
   </p:cSld>
   <p:clrMapOvr>
@@ -1875,6 +2070,36 @@
           </a:p>
         </p:txBody>
       </p:sp>
+      <p:pic>
+        <p:nvPicPr>
+          <p:cNvPr id="5" name="Picture 4">
+            <a:extLst>
+              <a:ext uri="{FF2B5EF4-FFF2-40B4-BE49-F238E27FC236}">
+                <a16:creationId xmlns:a16="http://schemas.microsoft.com/office/drawing/2014/main" id="{7E6761AB-4C4E-4B42-ABB0-418E897ECF74}"/>
+              </a:ext>
+            </a:extLst>
+          </p:cNvPr>
+          <p:cNvPicPr>
+            <a:picLocks noChangeAspect="1"/>
+          </p:cNvPicPr>
+          <p:nvPr userDrawn="1"/>
+        </p:nvPicPr>
+        <p:blipFill>
+          <a:blip r:embed="rId2"/>
+          <a:stretch>
+            <a:fillRect/>
+          </a:stretch>
+        </p:blipFill>
+        <p:spPr>
+          <a:xfrm>
+            <a:off x="9914708" y="4876163"/>
+            <a:ext cx="1990682" cy="1260767"/>
+          </a:xfrm>
+          <a:prstGeom prst="rect">
+            <a:avLst/>
+          </a:prstGeom>
+        </p:spPr>
+      </p:pic>
     </p:spTree>
   </p:cSld>
   <p:clrMapOvr>
@@ -2121,6 +2346,36 @@
           </a:p>
         </p:txBody>
       </p:sp>
+      <p:pic>
+        <p:nvPicPr>
+          <p:cNvPr id="8" name="Picture 7">
+            <a:extLst>
+              <a:ext uri="{FF2B5EF4-FFF2-40B4-BE49-F238E27FC236}">
+                <a16:creationId xmlns:a16="http://schemas.microsoft.com/office/drawing/2014/main" id="{B3148290-4E62-44F5-BC36-635D8D91341F}"/>
+              </a:ext>
+            </a:extLst>
+          </p:cNvPr>
+          <p:cNvPicPr>
+            <a:picLocks noChangeAspect="1"/>
+          </p:cNvPicPr>
+          <p:nvPr userDrawn="1"/>
+        </p:nvPicPr>
+        <p:blipFill>
+          <a:blip r:embed="rId2"/>
+          <a:stretch>
+            <a:fillRect/>
+          </a:stretch>
+        </p:blipFill>
+        <p:spPr>
+          <a:xfrm>
+            <a:off x="9914708" y="4876163"/>
+            <a:ext cx="1990682" cy="1260767"/>
+          </a:xfrm>
+          <a:prstGeom prst="rect">
+            <a:avLst/>
+          </a:prstGeom>
+        </p:spPr>
+      </p:pic>
     </p:spTree>
   </p:cSld>
   <p:clrMapOvr>
@@ -3256,7 +3511,15 @@
           <a:bodyPr/>
           <a:lstStyle/>
           <a:p>
-            <a:endParaRPr lang="en-US"/>
+            <a:r>
+              <a:rPr lang="es-AR" dirty="0" err="1"/>
+              <a:t>blind</a:t>
+            </a:r>
+            <a:r>
+              <a:rPr lang="es-AR" dirty="0"/>
+              <a:t>-social</a:t>
+            </a:r>
+            <a:endParaRPr lang="en-US" dirty="0"/>
           </a:p>
         </p:txBody>
       </p:sp>
@@ -3281,7 +3544,11 @@
           <a:bodyPr/>
           <a:lstStyle/>
           <a:p>
-            <a:endParaRPr lang="en-US"/>
+            <a:r>
+              <a:rPr lang="es-AR" dirty="0"/>
+              <a:t>Integración de Redes sociales para no videntes</a:t>
+            </a:r>
+            <a:endParaRPr lang="en-US" dirty="0"/>
           </a:p>
         </p:txBody>
       </p:sp>
@@ -3289,6 +3556,1623 @@
     <p:extLst>
       <p:ext uri="{BB962C8B-B14F-4D97-AF65-F5344CB8AC3E}">
         <p14:creationId xmlns:p14="http://schemas.microsoft.com/office/powerpoint/2010/main" val="160128619"/>
+      </p:ext>
+    </p:extLst>
+  </p:cSld>
+  <p:clrMapOvr>
+    <a:masterClrMapping/>
+  </p:clrMapOvr>
+</p:sld>
+</file>
+
+<file path=ppt/slides/slide2.xml><?xml version="1.0" encoding="utf-8"?>
+<p:sld xmlns:a="http://schemas.openxmlformats.org/drawingml/2006/main" xmlns:r="http://schemas.openxmlformats.org/officeDocument/2006/relationships" xmlns:p="http://schemas.openxmlformats.org/presentationml/2006/main">
+  <p:cSld>
+    <p:spTree>
+      <p:nvGrpSpPr>
+        <p:cNvPr id="1" name=""/>
+        <p:cNvGrpSpPr/>
+        <p:nvPr/>
+      </p:nvGrpSpPr>
+      <p:grpSpPr>
+        <a:xfrm>
+          <a:off x="0" y="0"/>
+          <a:ext cx="0" cy="0"/>
+          <a:chOff x="0" y="0"/>
+          <a:chExt cx="0" cy="0"/>
+        </a:xfrm>
+      </p:grpSpPr>
+      <p:sp>
+        <p:nvSpPr>
+          <p:cNvPr id="2" name="Title 1">
+            <a:extLst>
+              <a:ext uri="{FF2B5EF4-FFF2-40B4-BE49-F238E27FC236}">
+                <a16:creationId xmlns:a16="http://schemas.microsoft.com/office/drawing/2014/main" id="{AD2F2693-2731-4754-9E37-768367B45AEF}"/>
+              </a:ext>
+            </a:extLst>
+          </p:cNvPr>
+          <p:cNvSpPr>
+            <a:spLocks noGrp="1"/>
+          </p:cNvSpPr>
+          <p:nvPr>
+            <p:ph type="title"/>
+          </p:nvPr>
+        </p:nvSpPr>
+        <p:spPr>
+          <a:xfrm>
+            <a:off x="1451578" y="446711"/>
+            <a:ext cx="9291215" cy="1049235"/>
+          </a:xfrm>
+        </p:spPr>
+        <p:txBody>
+          <a:bodyPr>
+            <a:normAutofit/>
+          </a:bodyPr>
+          <a:lstStyle/>
+          <a:p>
+            <a:r>
+              <a:rPr lang="es-AR" sz="4000" dirty="0" err="1"/>
+              <a:t>Hackatrix</a:t>
+            </a:r>
+            <a:r>
+              <a:rPr lang="es-AR" sz="4000" dirty="0"/>
+              <a:t> 2017</a:t>
+            </a:r>
+            <a:endParaRPr lang="en-US" sz="4000" dirty="0"/>
+          </a:p>
+        </p:txBody>
+      </p:sp>
+      <mc:AlternateContent xmlns:mc="http://schemas.openxmlformats.org/markup-compatibility/2006">
+        <mc:Choice xmlns:pslz="http://schemas.microsoft.com/office/powerpoint/2016/slidezoom" Requires="pslz">
+          <p:graphicFrame>
+            <p:nvGraphicFramePr>
+              <p:cNvPr id="5" name="Slide Zoom 4">
+                <a:extLst>
+                  <a:ext uri="{FF2B5EF4-FFF2-40B4-BE49-F238E27FC236}">
+                    <a16:creationId xmlns:a16="http://schemas.microsoft.com/office/drawing/2014/main" id="{2650F304-A834-4A2B-8D49-CA8AB5022D46}"/>
+                  </a:ext>
+                </a:extLst>
+              </p:cNvPr>
+              <p:cNvGraphicFramePr>
+                <a:graphicFrameLocks noChangeAspect="1"/>
+              </p:cNvGraphicFramePr>
+              <p:nvPr>
+                <p:extLst>
+                  <p:ext uri="{D42A27DB-BD31-4B8C-83A1-F6EECF244321}">
+                    <p14:modId xmlns:p14="http://schemas.microsoft.com/office/powerpoint/2010/main" val="4205155339"/>
+                  </p:ext>
+                </p:extLst>
+              </p:nvPr>
+            </p:nvGraphicFramePr>
+            <p:xfrm>
+              <a:off x="609601" y="1936487"/>
+              <a:ext cx="3273290" cy="1841226"/>
+            </p:xfrm>
+            <a:graphic>
+              <a:graphicData uri="http://schemas.microsoft.com/office/powerpoint/2016/slidezoom">
+                <pslz:sldZm>
+                  <pslz:sldZmObj sldId="257" cId="1980811259">
+                    <pslz:zmPr id="{D8973434-DD7B-4244-AF7C-5E61A3364177}" returnToParent="0" transitionDur="1000">
+                      <p166:blipFill xmlns:p166="http://schemas.microsoft.com/office/powerpoint/2016/6/main">
+                        <a:blip r:embed="rId2"/>
+                        <a:stretch>
+                          <a:fillRect/>
+                        </a:stretch>
+                      </p166:blipFill>
+                      <p166:spPr xmlns:p166="http://schemas.microsoft.com/office/powerpoint/2016/6/main">
+                        <a:xfrm>
+                          <a:off x="0" y="0"/>
+                          <a:ext cx="3273290" cy="1841226"/>
+                        </a:xfrm>
+                        <a:prstGeom prst="rect">
+                          <a:avLst/>
+                        </a:prstGeom>
+                        <a:ln w="3175">
+                          <a:solidFill>
+                            <a:prstClr val="ltGray"/>
+                          </a:solidFill>
+                        </a:ln>
+                      </p166:spPr>
+                    </pslz:zmPr>
+                  </pslz:sldZmObj>
+                </pslz:sldZm>
+              </a:graphicData>
+            </a:graphic>
+          </p:graphicFrame>
+        </mc:Choice>
+        <mc:Fallback>
+          <p:pic>
+            <p:nvPicPr>
+              <p:cNvPr id="5" name="Slide Zoom 4">
+                <a:hlinkClick r:id="rId3" action="ppaction://hlinksldjump"/>
+                <a:extLst>
+                  <a:ext uri="{FF2B5EF4-FFF2-40B4-BE49-F238E27FC236}">
+                    <a16:creationId xmlns:a16="http://schemas.microsoft.com/office/drawing/2014/main" id="{2650F304-A834-4A2B-8D49-CA8AB5022D46}"/>
+                  </a:ext>
+                </a:extLst>
+              </p:cNvPr>
+              <p:cNvPicPr>
+                <a:picLocks noGrp="1" noRot="1" noChangeAspect="1" noMove="1" noResize="1" noEditPoints="1" noAdjustHandles="1" noChangeArrowheads="1" noChangeShapeType="1"/>
+              </p:cNvPicPr>
+              <p:nvPr/>
+            </p:nvPicPr>
+            <p:blipFill>
+              <a:blip r:embed="rId2"/>
+              <a:stretch>
+                <a:fillRect/>
+              </a:stretch>
+            </p:blipFill>
+            <p:spPr>
+              <a:xfrm>
+                <a:off x="609601" y="1936487"/>
+                <a:ext cx="3273290" cy="1841226"/>
+              </a:xfrm>
+              <a:prstGeom prst="rect">
+                <a:avLst/>
+              </a:prstGeom>
+              <a:ln w="3175">
+                <a:solidFill>
+                  <a:prstClr val="ltGray"/>
+                </a:solidFill>
+              </a:ln>
+            </p:spPr>
+          </p:pic>
+        </mc:Fallback>
+      </mc:AlternateContent>
+      <mc:AlternateContent xmlns:mc="http://schemas.openxmlformats.org/markup-compatibility/2006">
+        <mc:Choice xmlns:pslz="http://schemas.microsoft.com/office/powerpoint/2016/slidezoom" Requires="pslz">
+          <p:graphicFrame>
+            <p:nvGraphicFramePr>
+              <p:cNvPr id="7" name="Slide Zoom 6">
+                <a:extLst>
+                  <a:ext uri="{FF2B5EF4-FFF2-40B4-BE49-F238E27FC236}">
+                    <a16:creationId xmlns:a16="http://schemas.microsoft.com/office/drawing/2014/main" id="{95C1F5BF-433E-4035-8E3E-84585D9BF6A0}"/>
+                  </a:ext>
+                </a:extLst>
+              </p:cNvPr>
+              <p:cNvGraphicFramePr>
+                <a:graphicFrameLocks noChangeAspect="1"/>
+              </p:cNvGraphicFramePr>
+              <p:nvPr>
+                <p:extLst>
+                  <p:ext uri="{D42A27DB-BD31-4B8C-83A1-F6EECF244321}">
+                    <p14:modId xmlns:p14="http://schemas.microsoft.com/office/powerpoint/2010/main" val="3541653464"/>
+                  </p:ext>
+                </p:extLst>
+              </p:nvPr>
+            </p:nvGraphicFramePr>
+            <p:xfrm>
+              <a:off x="4460543" y="4096592"/>
+              <a:ext cx="3273286" cy="1841224"/>
+            </p:xfrm>
+            <a:graphic>
+              <a:graphicData uri="http://schemas.microsoft.com/office/powerpoint/2016/slidezoom">
+                <pslz:sldZm>
+                  <pslz:sldZmObj sldId="258" cId="3466387757">
+                    <pslz:zmPr id="{E01075CC-7111-4ADE-B427-E935B7B06699}" returnToParent="0" transitionDur="1000">
+                      <p166:blipFill xmlns:p166="http://schemas.microsoft.com/office/powerpoint/2016/6/main">
+                        <a:blip r:embed="rId4"/>
+                        <a:stretch>
+                          <a:fillRect/>
+                        </a:stretch>
+                      </p166:blipFill>
+                      <p166:spPr xmlns:p166="http://schemas.microsoft.com/office/powerpoint/2016/6/main">
+                        <a:xfrm>
+                          <a:off x="0" y="0"/>
+                          <a:ext cx="3273286" cy="1841224"/>
+                        </a:xfrm>
+                        <a:prstGeom prst="rect">
+                          <a:avLst/>
+                        </a:prstGeom>
+                        <a:ln w="3175">
+                          <a:solidFill>
+                            <a:prstClr val="ltGray"/>
+                          </a:solidFill>
+                        </a:ln>
+                      </p166:spPr>
+                    </pslz:zmPr>
+                  </pslz:sldZmObj>
+                </pslz:sldZm>
+              </a:graphicData>
+            </a:graphic>
+          </p:graphicFrame>
+        </mc:Choice>
+        <mc:Fallback>
+          <p:pic>
+            <p:nvPicPr>
+              <p:cNvPr id="7" name="Slide Zoom 6">
+                <a:hlinkClick r:id="rId5" action="ppaction://hlinksldjump"/>
+                <a:extLst>
+                  <a:ext uri="{FF2B5EF4-FFF2-40B4-BE49-F238E27FC236}">
+                    <a16:creationId xmlns:a16="http://schemas.microsoft.com/office/drawing/2014/main" id="{95C1F5BF-433E-4035-8E3E-84585D9BF6A0}"/>
+                  </a:ext>
+                </a:extLst>
+              </p:cNvPr>
+              <p:cNvPicPr>
+                <a:picLocks noGrp="1" noRot="1" noChangeAspect="1" noMove="1" noResize="1" noEditPoints="1" noAdjustHandles="1" noChangeArrowheads="1" noChangeShapeType="1"/>
+              </p:cNvPicPr>
+              <p:nvPr/>
+            </p:nvPicPr>
+            <p:blipFill>
+              <a:blip r:embed="rId4"/>
+              <a:stretch>
+                <a:fillRect/>
+              </a:stretch>
+            </p:blipFill>
+            <p:spPr>
+              <a:xfrm>
+                <a:off x="4460543" y="4096592"/>
+                <a:ext cx="3273286" cy="1841224"/>
+              </a:xfrm>
+              <a:prstGeom prst="rect">
+                <a:avLst/>
+              </a:prstGeom>
+              <a:ln w="3175">
+                <a:solidFill>
+                  <a:prstClr val="ltGray"/>
+                </a:solidFill>
+              </a:ln>
+            </p:spPr>
+          </p:pic>
+        </mc:Fallback>
+      </mc:AlternateContent>
+      <mc:AlternateContent xmlns:mc="http://schemas.openxmlformats.org/markup-compatibility/2006">
+        <mc:Choice xmlns:pslz="http://schemas.microsoft.com/office/powerpoint/2016/slidezoom" Requires="pslz">
+          <p:graphicFrame>
+            <p:nvGraphicFramePr>
+              <p:cNvPr id="11" name="Slide Zoom 10">
+                <a:extLst>
+                  <a:ext uri="{FF2B5EF4-FFF2-40B4-BE49-F238E27FC236}">
+                    <a16:creationId xmlns:a16="http://schemas.microsoft.com/office/drawing/2014/main" id="{A3BB402A-BCE2-4A73-A350-FD3DC252E34C}"/>
+                  </a:ext>
+                </a:extLst>
+              </p:cNvPr>
+              <p:cNvGraphicFramePr>
+                <a:graphicFrameLocks noChangeAspect="1"/>
+              </p:cNvGraphicFramePr>
+              <p:nvPr>
+                <p:extLst>
+                  <p:ext uri="{D42A27DB-BD31-4B8C-83A1-F6EECF244321}">
+                    <p14:modId xmlns:p14="http://schemas.microsoft.com/office/powerpoint/2010/main" val="1919400905"/>
+                  </p:ext>
+                </p:extLst>
+              </p:nvPr>
+            </p:nvGraphicFramePr>
+            <p:xfrm>
+              <a:off x="8269356" y="1936487"/>
+              <a:ext cx="3273290" cy="1841226"/>
+            </p:xfrm>
+            <a:graphic>
+              <a:graphicData uri="http://schemas.microsoft.com/office/powerpoint/2016/slidezoom">
+                <pslz:sldZm>
+                  <pslz:sldZmObj sldId="261" cId="2454017462">
+                    <pslz:zmPr id="{9674388D-7462-4193-9C51-D5774BD988A6}" returnToParent="0" transitionDur="1000">
+                      <p166:blipFill xmlns:p166="http://schemas.microsoft.com/office/powerpoint/2016/6/main">
+                        <a:blip r:embed="rId6"/>
+                        <a:stretch>
+                          <a:fillRect/>
+                        </a:stretch>
+                      </p166:blipFill>
+                      <p166:spPr xmlns:p166="http://schemas.microsoft.com/office/powerpoint/2016/6/main">
+                        <a:xfrm>
+                          <a:off x="0" y="0"/>
+                          <a:ext cx="3273290" cy="1841226"/>
+                        </a:xfrm>
+                        <a:prstGeom prst="rect">
+                          <a:avLst/>
+                        </a:prstGeom>
+                        <a:ln w="3175">
+                          <a:solidFill>
+                            <a:prstClr val="ltGray"/>
+                          </a:solidFill>
+                        </a:ln>
+                      </p166:spPr>
+                    </pslz:zmPr>
+                  </pslz:sldZmObj>
+                </pslz:sldZm>
+              </a:graphicData>
+            </a:graphic>
+          </p:graphicFrame>
+        </mc:Choice>
+        <mc:Fallback>
+          <p:pic>
+            <p:nvPicPr>
+              <p:cNvPr id="11" name="Slide Zoom 10">
+                <a:hlinkClick r:id="rId7" action="ppaction://hlinksldjump"/>
+                <a:extLst>
+                  <a:ext uri="{FF2B5EF4-FFF2-40B4-BE49-F238E27FC236}">
+                    <a16:creationId xmlns:a16="http://schemas.microsoft.com/office/drawing/2014/main" id="{A3BB402A-BCE2-4A73-A350-FD3DC252E34C}"/>
+                  </a:ext>
+                </a:extLst>
+              </p:cNvPr>
+              <p:cNvPicPr>
+                <a:picLocks noGrp="1" noRot="1" noChangeAspect="1" noMove="1" noResize="1" noEditPoints="1" noAdjustHandles="1" noChangeArrowheads="1" noChangeShapeType="1"/>
+              </p:cNvPicPr>
+              <p:nvPr/>
+            </p:nvPicPr>
+            <p:blipFill>
+              <a:blip r:embed="rId6"/>
+              <a:stretch>
+                <a:fillRect/>
+              </a:stretch>
+            </p:blipFill>
+            <p:spPr>
+              <a:xfrm>
+                <a:off x="8269356" y="1936487"/>
+                <a:ext cx="3273290" cy="1841226"/>
+              </a:xfrm>
+              <a:prstGeom prst="rect">
+                <a:avLst/>
+              </a:prstGeom>
+              <a:ln w="3175">
+                <a:solidFill>
+                  <a:prstClr val="ltGray"/>
+                </a:solidFill>
+              </a:ln>
+            </p:spPr>
+          </p:pic>
+        </mc:Fallback>
+      </mc:AlternateContent>
+    </p:spTree>
+    <p:extLst>
+      <p:ext uri="{BB962C8B-B14F-4D97-AF65-F5344CB8AC3E}">
+        <p14:creationId xmlns:p14="http://schemas.microsoft.com/office/powerpoint/2010/main" val="2195198245"/>
+      </p:ext>
+    </p:extLst>
+  </p:cSld>
+  <p:clrMapOvr>
+    <a:masterClrMapping/>
+  </p:clrMapOvr>
+</p:sld>
+</file>
+
+<file path=ppt/slides/slide3.xml><?xml version="1.0" encoding="utf-8"?>
+<p:sld xmlns:a="http://schemas.openxmlformats.org/drawingml/2006/main" xmlns:r="http://schemas.openxmlformats.org/officeDocument/2006/relationships" xmlns:p="http://schemas.openxmlformats.org/presentationml/2006/main">
+  <p:cSld>
+    <p:spTree>
+      <p:nvGrpSpPr>
+        <p:cNvPr id="1" name=""/>
+        <p:cNvGrpSpPr/>
+        <p:nvPr/>
+      </p:nvGrpSpPr>
+      <p:grpSpPr>
+        <a:xfrm>
+          <a:off x="0" y="0"/>
+          <a:ext cx="0" cy="0"/>
+          <a:chOff x="0" y="0"/>
+          <a:chExt cx="0" cy="0"/>
+        </a:xfrm>
+      </p:grpSpPr>
+      <p:sp>
+        <p:nvSpPr>
+          <p:cNvPr id="2" name="Title 1">
+            <a:extLst>
+              <a:ext uri="{FF2B5EF4-FFF2-40B4-BE49-F238E27FC236}">
+                <a16:creationId xmlns:a16="http://schemas.microsoft.com/office/drawing/2014/main" id="{01E8F337-4C96-4BB8-AC28-DCB2F2340C6C}"/>
+              </a:ext>
+            </a:extLst>
+          </p:cNvPr>
+          <p:cNvSpPr>
+            <a:spLocks noGrp="1"/>
+          </p:cNvSpPr>
+          <p:nvPr>
+            <p:ph type="title"/>
+          </p:nvPr>
+        </p:nvSpPr>
+        <p:spPr/>
+        <p:txBody>
+          <a:bodyPr/>
+          <a:lstStyle/>
+          <a:p>
+            <a:r>
+              <a:rPr lang="es-AR" dirty="0"/>
+              <a:t>Problema</a:t>
+            </a:r>
+            <a:endParaRPr lang="en-US" dirty="0"/>
+          </a:p>
+        </p:txBody>
+      </p:sp>
+      <p:sp>
+        <p:nvSpPr>
+          <p:cNvPr id="3" name="Content Placeholder 2">
+            <a:extLst>
+              <a:ext uri="{FF2B5EF4-FFF2-40B4-BE49-F238E27FC236}">
+                <a16:creationId xmlns:a16="http://schemas.microsoft.com/office/drawing/2014/main" id="{C8978E18-A5AE-4738-9075-DCCD73FEE095}"/>
+              </a:ext>
+            </a:extLst>
+          </p:cNvPr>
+          <p:cNvSpPr>
+            <a:spLocks noGrp="1"/>
+          </p:cNvSpPr>
+          <p:nvPr>
+            <p:ph idx="1"/>
+          </p:nvPr>
+        </p:nvSpPr>
+        <p:spPr>
+          <a:xfrm>
+            <a:off x="888871" y="2121043"/>
+            <a:ext cx="9291215" cy="3450613"/>
+          </a:xfrm>
+        </p:spPr>
+        <p:txBody>
+          <a:bodyPr>
+            <a:normAutofit/>
+          </a:bodyPr>
+          <a:lstStyle/>
+          <a:p>
+            <a:r>
+              <a:rPr lang="es-AR" sz="2800" dirty="0"/>
+              <a:t>PERSONAS NO VIDENTES</a:t>
+            </a:r>
+          </a:p>
+          <a:p>
+            <a:pPr lvl="1"/>
+            <a:r>
+              <a:rPr lang="es-AR" sz="2400" dirty="0"/>
+              <a:t>Poco acceso a redes sociales.</a:t>
+            </a:r>
+          </a:p>
+          <a:p>
+            <a:pPr lvl="1"/>
+            <a:r>
+              <a:rPr lang="es-AR" sz="2400" dirty="0"/>
+              <a:t>Dependencia para leer o publicar contenido.</a:t>
+            </a:r>
+          </a:p>
+          <a:p>
+            <a:pPr lvl="1"/>
+            <a:r>
+              <a:rPr lang="es-AR" sz="2400" dirty="0"/>
+              <a:t>Información insuficiente.</a:t>
+            </a:r>
+          </a:p>
+          <a:p>
+            <a:endParaRPr lang="en-US" sz="2800" dirty="0"/>
+          </a:p>
+        </p:txBody>
+      </p:sp>
+      <p:pic>
+        <p:nvPicPr>
+          <p:cNvPr id="5" name="Picture 4">
+            <a:extLst>
+              <a:ext uri="{FF2B5EF4-FFF2-40B4-BE49-F238E27FC236}">
+                <a16:creationId xmlns:a16="http://schemas.microsoft.com/office/drawing/2014/main" id="{B897020A-A912-4AB8-922E-83F8C1B0F9B3}"/>
+              </a:ext>
+            </a:extLst>
+          </p:cNvPr>
+          <p:cNvPicPr>
+            <a:picLocks noChangeAspect="1"/>
+          </p:cNvPicPr>
+          <p:nvPr/>
+        </p:nvPicPr>
+        <p:blipFill>
+          <a:blip r:embed="rId2"/>
+          <a:stretch>
+            <a:fillRect/>
+          </a:stretch>
+        </p:blipFill>
+        <p:spPr>
+          <a:xfrm>
+            <a:off x="7568419" y="2283021"/>
+            <a:ext cx="2850819" cy="2850819"/>
+          </a:xfrm>
+          <a:prstGeom prst="rect">
+            <a:avLst/>
+          </a:prstGeom>
+        </p:spPr>
+      </p:pic>
+    </p:spTree>
+    <p:extLst>
+      <p:ext uri="{BB962C8B-B14F-4D97-AF65-F5344CB8AC3E}">
+        <p14:creationId xmlns:p14="http://schemas.microsoft.com/office/powerpoint/2010/main" val="1980811259"/>
+      </p:ext>
+    </p:extLst>
+  </p:cSld>
+  <p:clrMapOvr>
+    <a:masterClrMapping/>
+  </p:clrMapOvr>
+</p:sld>
+</file>
+
+<file path=ppt/slides/slide4.xml><?xml version="1.0" encoding="utf-8"?>
+<p:sld xmlns:a="http://schemas.openxmlformats.org/drawingml/2006/main" xmlns:r="http://schemas.openxmlformats.org/officeDocument/2006/relationships" xmlns:p="http://schemas.openxmlformats.org/presentationml/2006/main">
+  <p:cSld>
+    <p:spTree>
+      <p:nvGrpSpPr>
+        <p:cNvPr id="1" name=""/>
+        <p:cNvGrpSpPr/>
+        <p:nvPr/>
+      </p:nvGrpSpPr>
+      <p:grpSpPr>
+        <a:xfrm>
+          <a:off x="0" y="0"/>
+          <a:ext cx="0" cy="0"/>
+          <a:chOff x="0" y="0"/>
+          <a:chExt cx="0" cy="0"/>
+        </a:xfrm>
+      </p:grpSpPr>
+      <p:sp>
+        <p:nvSpPr>
+          <p:cNvPr id="2" name="Title 1">
+            <a:extLst>
+              <a:ext uri="{FF2B5EF4-FFF2-40B4-BE49-F238E27FC236}">
+                <a16:creationId xmlns:a16="http://schemas.microsoft.com/office/drawing/2014/main" id="{01E8F337-4C96-4BB8-AC28-DCB2F2340C6C}"/>
+              </a:ext>
+            </a:extLst>
+          </p:cNvPr>
+          <p:cNvSpPr>
+            <a:spLocks noGrp="1"/>
+          </p:cNvSpPr>
+          <p:nvPr>
+            <p:ph type="title"/>
+          </p:nvPr>
+        </p:nvSpPr>
+        <p:spPr/>
+        <p:txBody>
+          <a:bodyPr/>
+          <a:lstStyle/>
+          <a:p>
+            <a:r>
+              <a:rPr lang="es-AR" dirty="0"/>
+              <a:t>Mercado</a:t>
+            </a:r>
+            <a:endParaRPr lang="en-US" dirty="0"/>
+          </a:p>
+        </p:txBody>
+      </p:sp>
+      <p:sp>
+        <p:nvSpPr>
+          <p:cNvPr id="3" name="Content Placeholder 2">
+            <a:extLst>
+              <a:ext uri="{FF2B5EF4-FFF2-40B4-BE49-F238E27FC236}">
+                <a16:creationId xmlns:a16="http://schemas.microsoft.com/office/drawing/2014/main" id="{C8978E18-A5AE-4738-9075-DCCD73FEE095}"/>
+              </a:ext>
+            </a:extLst>
+          </p:cNvPr>
+          <p:cNvSpPr>
+            <a:spLocks noGrp="1"/>
+          </p:cNvSpPr>
+          <p:nvPr>
+            <p:ph idx="1"/>
+          </p:nvPr>
+        </p:nvSpPr>
+        <p:spPr>
+          <a:xfrm>
+            <a:off x="1451579" y="2015732"/>
+            <a:ext cx="9291215" cy="3450613"/>
+          </a:xfrm>
+        </p:spPr>
+        <p:txBody>
+          <a:bodyPr anchor="ctr"/>
+          <a:lstStyle/>
+          <a:p>
+            <a:r>
+              <a:rPr lang="es-AR" dirty="0"/>
+              <a:t>INDEC CENSO 2010 – Población total 39,5 millones de habitantes</a:t>
+            </a:r>
+          </a:p>
+          <a:p>
+            <a:pPr marL="0" indent="0">
+              <a:buNone/>
+            </a:pPr>
+            <a:endParaRPr lang="es-AR" dirty="0"/>
+          </a:p>
+          <a:p>
+            <a:r>
+              <a:rPr lang="es-AR" dirty="0"/>
+              <a:t>3,2 MILLONES DISCAPACITADOS VISUALES</a:t>
+            </a:r>
+          </a:p>
+          <a:p>
+            <a:endParaRPr lang="es-AR" dirty="0"/>
+          </a:p>
+          <a:p>
+            <a:endParaRPr lang="en-US" dirty="0"/>
+          </a:p>
+        </p:txBody>
+      </p:sp>
+      <p:pic>
+        <p:nvPicPr>
+          <p:cNvPr id="7" name="Picture 6">
+            <a:extLst>
+              <a:ext uri="{FF2B5EF4-FFF2-40B4-BE49-F238E27FC236}">
+                <a16:creationId xmlns:a16="http://schemas.microsoft.com/office/drawing/2014/main" id="{F973677E-F372-419F-B03C-9D6CC02EC1C9}"/>
+              </a:ext>
+            </a:extLst>
+          </p:cNvPr>
+          <p:cNvPicPr>
+            <a:picLocks noChangeAspect="1"/>
+          </p:cNvPicPr>
+          <p:nvPr/>
+        </p:nvPicPr>
+        <p:blipFill>
+          <a:blip r:embed="rId2"/>
+          <a:stretch>
+            <a:fillRect/>
+          </a:stretch>
+        </p:blipFill>
+        <p:spPr>
+          <a:xfrm>
+            <a:off x="1747004" y="4473524"/>
+            <a:ext cx="1182858" cy="1182858"/>
+          </a:xfrm>
+          <a:prstGeom prst="rect">
+            <a:avLst/>
+          </a:prstGeom>
+        </p:spPr>
+      </p:pic>
+      <p:pic>
+        <p:nvPicPr>
+          <p:cNvPr id="8" name="Picture 7">
+            <a:extLst>
+              <a:ext uri="{FF2B5EF4-FFF2-40B4-BE49-F238E27FC236}">
+                <a16:creationId xmlns:a16="http://schemas.microsoft.com/office/drawing/2014/main" id="{4C31FAF8-DFBF-4128-AEA5-C8DF855E521B}"/>
+              </a:ext>
+            </a:extLst>
+          </p:cNvPr>
+          <p:cNvPicPr>
+            <a:picLocks noChangeAspect="1"/>
+          </p:cNvPicPr>
+          <p:nvPr/>
+        </p:nvPicPr>
+        <p:blipFill>
+          <a:blip r:embed="rId2"/>
+          <a:stretch>
+            <a:fillRect/>
+          </a:stretch>
+        </p:blipFill>
+        <p:spPr>
+          <a:xfrm>
+            <a:off x="2032740" y="4583720"/>
+            <a:ext cx="1182858" cy="1182858"/>
+          </a:xfrm>
+          <a:prstGeom prst="rect">
+            <a:avLst/>
+          </a:prstGeom>
+        </p:spPr>
+      </p:pic>
+      <p:pic>
+        <p:nvPicPr>
+          <p:cNvPr id="9" name="Picture 8">
+            <a:extLst>
+              <a:ext uri="{FF2B5EF4-FFF2-40B4-BE49-F238E27FC236}">
+                <a16:creationId xmlns:a16="http://schemas.microsoft.com/office/drawing/2014/main" id="{E6402E7A-8EEE-4791-8C07-D760DA147D3E}"/>
+              </a:ext>
+            </a:extLst>
+          </p:cNvPr>
+          <p:cNvPicPr>
+            <a:picLocks noChangeAspect="1"/>
+          </p:cNvPicPr>
+          <p:nvPr/>
+        </p:nvPicPr>
+        <p:blipFill>
+          <a:blip r:embed="rId2"/>
+          <a:stretch>
+            <a:fillRect/>
+          </a:stretch>
+        </p:blipFill>
+        <p:spPr>
+          <a:xfrm>
+            <a:off x="2307371" y="4471176"/>
+            <a:ext cx="1182858" cy="1182858"/>
+          </a:xfrm>
+          <a:prstGeom prst="rect">
+            <a:avLst/>
+          </a:prstGeom>
+        </p:spPr>
+      </p:pic>
+      <p:pic>
+        <p:nvPicPr>
+          <p:cNvPr id="10" name="Picture 9">
+            <a:extLst>
+              <a:ext uri="{FF2B5EF4-FFF2-40B4-BE49-F238E27FC236}">
+                <a16:creationId xmlns:a16="http://schemas.microsoft.com/office/drawing/2014/main" id="{E78B8C91-4EAB-434F-A04F-19F05EBE766D}"/>
+              </a:ext>
+            </a:extLst>
+          </p:cNvPr>
+          <p:cNvPicPr>
+            <a:picLocks noChangeAspect="1"/>
+          </p:cNvPicPr>
+          <p:nvPr/>
+        </p:nvPicPr>
+        <p:blipFill>
+          <a:blip r:embed="rId2"/>
+          <a:stretch>
+            <a:fillRect/>
+          </a:stretch>
+        </p:blipFill>
+        <p:spPr>
+          <a:xfrm>
+            <a:off x="2307367" y="4471177"/>
+            <a:ext cx="1182858" cy="1182858"/>
+          </a:xfrm>
+          <a:prstGeom prst="rect">
+            <a:avLst/>
+          </a:prstGeom>
+        </p:spPr>
+      </p:pic>
+      <p:pic>
+        <p:nvPicPr>
+          <p:cNvPr id="11" name="Picture 10">
+            <a:extLst>
+              <a:ext uri="{FF2B5EF4-FFF2-40B4-BE49-F238E27FC236}">
+                <a16:creationId xmlns:a16="http://schemas.microsoft.com/office/drawing/2014/main" id="{4F237397-8A6D-456E-9B19-70A3A48202D6}"/>
+              </a:ext>
+            </a:extLst>
+          </p:cNvPr>
+          <p:cNvPicPr>
+            <a:picLocks noChangeAspect="1"/>
+          </p:cNvPicPr>
+          <p:nvPr/>
+        </p:nvPicPr>
+        <p:blipFill>
+          <a:blip r:embed="rId2"/>
+          <a:stretch>
+            <a:fillRect/>
+          </a:stretch>
+        </p:blipFill>
+        <p:spPr>
+          <a:xfrm>
+            <a:off x="2593103" y="4581373"/>
+            <a:ext cx="1182858" cy="1182858"/>
+          </a:xfrm>
+          <a:prstGeom prst="rect">
+            <a:avLst/>
+          </a:prstGeom>
+        </p:spPr>
+      </p:pic>
+      <p:pic>
+        <p:nvPicPr>
+          <p:cNvPr id="12" name="Picture 11">
+            <a:extLst>
+              <a:ext uri="{FF2B5EF4-FFF2-40B4-BE49-F238E27FC236}">
+                <a16:creationId xmlns:a16="http://schemas.microsoft.com/office/drawing/2014/main" id="{C3A5C275-2380-4DD9-8F21-9A4198AF9FFB}"/>
+              </a:ext>
+            </a:extLst>
+          </p:cNvPr>
+          <p:cNvPicPr>
+            <a:picLocks noChangeAspect="1"/>
+          </p:cNvPicPr>
+          <p:nvPr/>
+        </p:nvPicPr>
+        <p:blipFill>
+          <a:blip r:embed="rId2"/>
+          <a:stretch>
+            <a:fillRect/>
+          </a:stretch>
+        </p:blipFill>
+        <p:spPr>
+          <a:xfrm>
+            <a:off x="2867734" y="4468829"/>
+            <a:ext cx="1182858" cy="1182858"/>
+          </a:xfrm>
+          <a:prstGeom prst="rect">
+            <a:avLst/>
+          </a:prstGeom>
+        </p:spPr>
+      </p:pic>
+      <p:pic>
+        <p:nvPicPr>
+          <p:cNvPr id="13" name="Picture 12">
+            <a:extLst>
+              <a:ext uri="{FF2B5EF4-FFF2-40B4-BE49-F238E27FC236}">
+                <a16:creationId xmlns:a16="http://schemas.microsoft.com/office/drawing/2014/main" id="{A9C5BA98-77DD-4EA9-8191-8A8CA9783E5B}"/>
+              </a:ext>
+            </a:extLst>
+          </p:cNvPr>
+          <p:cNvPicPr>
+            <a:picLocks noChangeAspect="1"/>
+          </p:cNvPicPr>
+          <p:nvPr/>
+        </p:nvPicPr>
+        <p:blipFill>
+          <a:blip r:embed="rId2"/>
+          <a:stretch>
+            <a:fillRect/>
+          </a:stretch>
+        </p:blipFill>
+        <p:spPr>
+          <a:xfrm>
+            <a:off x="3362443" y="4471177"/>
+            <a:ext cx="1182858" cy="1182858"/>
+          </a:xfrm>
+          <a:prstGeom prst="rect">
+            <a:avLst/>
+          </a:prstGeom>
+        </p:spPr>
+      </p:pic>
+      <p:pic>
+        <p:nvPicPr>
+          <p:cNvPr id="14" name="Picture 13">
+            <a:extLst>
+              <a:ext uri="{FF2B5EF4-FFF2-40B4-BE49-F238E27FC236}">
+                <a16:creationId xmlns:a16="http://schemas.microsoft.com/office/drawing/2014/main" id="{E2997943-C681-486D-992E-CC8677C99AA0}"/>
+              </a:ext>
+            </a:extLst>
+          </p:cNvPr>
+          <p:cNvPicPr>
+            <a:picLocks noChangeAspect="1"/>
+          </p:cNvPicPr>
+          <p:nvPr/>
+        </p:nvPicPr>
+        <p:blipFill>
+          <a:blip r:embed="rId2"/>
+          <a:stretch>
+            <a:fillRect/>
+          </a:stretch>
+        </p:blipFill>
+        <p:spPr>
+          <a:xfrm>
+            <a:off x="3648179" y="4581373"/>
+            <a:ext cx="1182858" cy="1182858"/>
+          </a:xfrm>
+          <a:prstGeom prst="rect">
+            <a:avLst/>
+          </a:prstGeom>
+        </p:spPr>
+      </p:pic>
+      <p:pic>
+        <p:nvPicPr>
+          <p:cNvPr id="15" name="Picture 14">
+            <a:extLst>
+              <a:ext uri="{FF2B5EF4-FFF2-40B4-BE49-F238E27FC236}">
+                <a16:creationId xmlns:a16="http://schemas.microsoft.com/office/drawing/2014/main" id="{6EB1AD33-7A12-403B-83FD-E9501930EAEE}"/>
+              </a:ext>
+            </a:extLst>
+          </p:cNvPr>
+          <p:cNvPicPr>
+            <a:picLocks noChangeAspect="1"/>
+          </p:cNvPicPr>
+          <p:nvPr/>
+        </p:nvPicPr>
+        <p:blipFill>
+          <a:blip r:embed="rId2"/>
+          <a:stretch>
+            <a:fillRect/>
+          </a:stretch>
+        </p:blipFill>
+        <p:spPr>
+          <a:xfrm>
+            <a:off x="3922810" y="4468829"/>
+            <a:ext cx="1182858" cy="1182858"/>
+          </a:xfrm>
+          <a:prstGeom prst="rect">
+            <a:avLst/>
+          </a:prstGeom>
+        </p:spPr>
+      </p:pic>
+      <p:pic>
+        <p:nvPicPr>
+          <p:cNvPr id="16" name="Picture 15">
+            <a:extLst>
+              <a:ext uri="{FF2B5EF4-FFF2-40B4-BE49-F238E27FC236}">
+                <a16:creationId xmlns:a16="http://schemas.microsoft.com/office/drawing/2014/main" id="{328E3A78-950E-4471-A07E-AC9B51A56EEF}"/>
+              </a:ext>
+            </a:extLst>
+          </p:cNvPr>
+          <p:cNvPicPr>
+            <a:picLocks noChangeAspect="1"/>
+          </p:cNvPicPr>
+          <p:nvPr/>
+        </p:nvPicPr>
+        <p:blipFill>
+          <a:blip r:embed="rId2"/>
+          <a:stretch>
+            <a:fillRect/>
+          </a:stretch>
+        </p:blipFill>
+        <p:spPr>
+          <a:xfrm>
+            <a:off x="3922806" y="4468830"/>
+            <a:ext cx="1182858" cy="1182858"/>
+          </a:xfrm>
+          <a:prstGeom prst="rect">
+            <a:avLst/>
+          </a:prstGeom>
+        </p:spPr>
+      </p:pic>
+      <p:pic>
+        <p:nvPicPr>
+          <p:cNvPr id="17" name="Picture 16">
+            <a:extLst>
+              <a:ext uri="{FF2B5EF4-FFF2-40B4-BE49-F238E27FC236}">
+                <a16:creationId xmlns:a16="http://schemas.microsoft.com/office/drawing/2014/main" id="{D3405C1F-1698-40E0-BE54-567CB58575A3}"/>
+              </a:ext>
+            </a:extLst>
+          </p:cNvPr>
+          <p:cNvPicPr>
+            <a:picLocks noChangeAspect="1"/>
+          </p:cNvPicPr>
+          <p:nvPr/>
+        </p:nvPicPr>
+        <p:blipFill>
+          <a:blip r:embed="rId2"/>
+          <a:stretch>
+            <a:fillRect/>
+          </a:stretch>
+        </p:blipFill>
+        <p:spPr>
+          <a:xfrm>
+            <a:off x="4208542" y="4579026"/>
+            <a:ext cx="1182858" cy="1182858"/>
+          </a:xfrm>
+          <a:prstGeom prst="rect">
+            <a:avLst/>
+          </a:prstGeom>
+        </p:spPr>
+      </p:pic>
+      <p:pic>
+        <p:nvPicPr>
+          <p:cNvPr id="18" name="Picture 17">
+            <a:extLst>
+              <a:ext uri="{FF2B5EF4-FFF2-40B4-BE49-F238E27FC236}">
+                <a16:creationId xmlns:a16="http://schemas.microsoft.com/office/drawing/2014/main" id="{322A9335-2D10-4435-BF8A-7E071628C966}"/>
+              </a:ext>
+            </a:extLst>
+          </p:cNvPr>
+          <p:cNvPicPr>
+            <a:picLocks noChangeAspect="1"/>
+          </p:cNvPicPr>
+          <p:nvPr/>
+        </p:nvPicPr>
+        <p:blipFill>
+          <a:blip r:embed="rId2"/>
+          <a:stretch>
+            <a:fillRect/>
+          </a:stretch>
+        </p:blipFill>
+        <p:spPr>
+          <a:xfrm>
+            <a:off x="4483173" y="4466482"/>
+            <a:ext cx="1182858" cy="1182858"/>
+          </a:xfrm>
+          <a:prstGeom prst="rect">
+            <a:avLst/>
+          </a:prstGeom>
+        </p:spPr>
+      </p:pic>
+      <p:pic>
+        <p:nvPicPr>
+          <p:cNvPr id="19" name="Picture 18">
+            <a:extLst>
+              <a:ext uri="{FF2B5EF4-FFF2-40B4-BE49-F238E27FC236}">
+                <a16:creationId xmlns:a16="http://schemas.microsoft.com/office/drawing/2014/main" id="{0BAFBB94-F21D-4654-991C-E911DFD0EB30}"/>
+              </a:ext>
+            </a:extLst>
+          </p:cNvPr>
+          <p:cNvPicPr>
+            <a:picLocks noChangeAspect="1"/>
+          </p:cNvPicPr>
+          <p:nvPr/>
+        </p:nvPicPr>
+        <p:blipFill>
+          <a:blip r:embed="rId2"/>
+          <a:stretch>
+            <a:fillRect/>
+          </a:stretch>
+        </p:blipFill>
+        <p:spPr>
+          <a:xfrm>
+            <a:off x="5036500" y="4471179"/>
+            <a:ext cx="1182858" cy="1182858"/>
+          </a:xfrm>
+          <a:prstGeom prst="rect">
+            <a:avLst/>
+          </a:prstGeom>
+        </p:spPr>
+      </p:pic>
+      <p:pic>
+        <p:nvPicPr>
+          <p:cNvPr id="20" name="Picture 19">
+            <a:extLst>
+              <a:ext uri="{FF2B5EF4-FFF2-40B4-BE49-F238E27FC236}">
+                <a16:creationId xmlns:a16="http://schemas.microsoft.com/office/drawing/2014/main" id="{C2CFDAD5-8948-4E96-87E8-229B19D8E3C0}"/>
+              </a:ext>
+            </a:extLst>
+          </p:cNvPr>
+          <p:cNvPicPr>
+            <a:picLocks noChangeAspect="1"/>
+          </p:cNvPicPr>
+          <p:nvPr/>
+        </p:nvPicPr>
+        <p:blipFill>
+          <a:blip r:embed="rId2"/>
+          <a:stretch>
+            <a:fillRect/>
+          </a:stretch>
+        </p:blipFill>
+        <p:spPr>
+          <a:xfrm>
+            <a:off x="5308168" y="4567307"/>
+            <a:ext cx="1182858" cy="1182858"/>
+          </a:xfrm>
+          <a:prstGeom prst="rect">
+            <a:avLst/>
+          </a:prstGeom>
+        </p:spPr>
+      </p:pic>
+      <p:pic>
+        <p:nvPicPr>
+          <p:cNvPr id="21" name="Picture 20">
+            <a:extLst>
+              <a:ext uri="{FF2B5EF4-FFF2-40B4-BE49-F238E27FC236}">
+                <a16:creationId xmlns:a16="http://schemas.microsoft.com/office/drawing/2014/main" id="{A118890A-11F4-4A91-B8F0-6050A955503E}"/>
+              </a:ext>
+            </a:extLst>
+          </p:cNvPr>
+          <p:cNvPicPr>
+            <a:picLocks noChangeAspect="1"/>
+          </p:cNvPicPr>
+          <p:nvPr/>
+        </p:nvPicPr>
+        <p:blipFill>
+          <a:blip r:embed="rId2"/>
+          <a:stretch>
+            <a:fillRect/>
+          </a:stretch>
+        </p:blipFill>
+        <p:spPr>
+          <a:xfrm>
+            <a:off x="5596867" y="4468831"/>
+            <a:ext cx="1182858" cy="1182858"/>
+          </a:xfrm>
+          <a:prstGeom prst="rect">
+            <a:avLst/>
+          </a:prstGeom>
+        </p:spPr>
+      </p:pic>
+      <p:pic>
+        <p:nvPicPr>
+          <p:cNvPr id="22" name="Picture 21">
+            <a:extLst>
+              <a:ext uri="{FF2B5EF4-FFF2-40B4-BE49-F238E27FC236}">
+                <a16:creationId xmlns:a16="http://schemas.microsoft.com/office/drawing/2014/main" id="{CA8D6B21-A65E-4906-B9AB-04D4CD05B851}"/>
+              </a:ext>
+            </a:extLst>
+          </p:cNvPr>
+          <p:cNvPicPr>
+            <a:picLocks noChangeAspect="1"/>
+          </p:cNvPicPr>
+          <p:nvPr/>
+        </p:nvPicPr>
+        <p:blipFill>
+          <a:blip r:embed="rId2"/>
+          <a:stretch>
+            <a:fillRect/>
+          </a:stretch>
+        </p:blipFill>
+        <p:spPr>
+          <a:xfrm>
+            <a:off x="5582795" y="4454764"/>
+            <a:ext cx="1182858" cy="1182858"/>
+          </a:xfrm>
+          <a:prstGeom prst="rect">
+            <a:avLst/>
+          </a:prstGeom>
+        </p:spPr>
+      </p:pic>
+      <p:pic>
+        <p:nvPicPr>
+          <p:cNvPr id="23" name="Picture 22">
+            <a:extLst>
+              <a:ext uri="{FF2B5EF4-FFF2-40B4-BE49-F238E27FC236}">
+                <a16:creationId xmlns:a16="http://schemas.microsoft.com/office/drawing/2014/main" id="{08B41A66-8DC1-4957-968E-647DD32489FA}"/>
+              </a:ext>
+            </a:extLst>
+          </p:cNvPr>
+          <p:cNvPicPr>
+            <a:picLocks noChangeAspect="1"/>
+          </p:cNvPicPr>
+          <p:nvPr/>
+        </p:nvPicPr>
+        <p:blipFill>
+          <a:blip r:embed="rId2"/>
+          <a:stretch>
+            <a:fillRect/>
+          </a:stretch>
+        </p:blipFill>
+        <p:spPr>
+          <a:xfrm>
+            <a:off x="5882599" y="4579028"/>
+            <a:ext cx="1182858" cy="1182858"/>
+          </a:xfrm>
+          <a:prstGeom prst="rect">
+            <a:avLst/>
+          </a:prstGeom>
+        </p:spPr>
+      </p:pic>
+      <p:pic>
+        <p:nvPicPr>
+          <p:cNvPr id="24" name="Picture 23">
+            <a:extLst>
+              <a:ext uri="{FF2B5EF4-FFF2-40B4-BE49-F238E27FC236}">
+                <a16:creationId xmlns:a16="http://schemas.microsoft.com/office/drawing/2014/main" id="{BD749A7C-2E5F-48DE-BE0D-CBED6D52F3C8}"/>
+              </a:ext>
+            </a:extLst>
+          </p:cNvPr>
+          <p:cNvPicPr>
+            <a:picLocks noChangeAspect="1"/>
+          </p:cNvPicPr>
+          <p:nvPr/>
+        </p:nvPicPr>
+        <p:blipFill>
+          <a:blip r:embed="rId2"/>
+          <a:stretch>
+            <a:fillRect/>
+          </a:stretch>
+        </p:blipFill>
+        <p:spPr>
+          <a:xfrm>
+            <a:off x="6143162" y="4452416"/>
+            <a:ext cx="1182858" cy="1182858"/>
+          </a:xfrm>
+          <a:prstGeom prst="rect">
+            <a:avLst/>
+          </a:prstGeom>
+        </p:spPr>
+      </p:pic>
+      <p:pic>
+        <p:nvPicPr>
+          <p:cNvPr id="25" name="Picture 24">
+            <a:extLst>
+              <a:ext uri="{FF2B5EF4-FFF2-40B4-BE49-F238E27FC236}">
+                <a16:creationId xmlns:a16="http://schemas.microsoft.com/office/drawing/2014/main" id="{5491EB3F-944F-400A-97C6-BEEE215466BE}"/>
+              </a:ext>
+            </a:extLst>
+          </p:cNvPr>
+          <p:cNvPicPr>
+            <a:picLocks noChangeAspect="1"/>
+          </p:cNvPicPr>
+          <p:nvPr/>
+        </p:nvPicPr>
+        <p:blipFill>
+          <a:blip r:embed="rId2"/>
+          <a:stretch>
+            <a:fillRect/>
+          </a:stretch>
+        </p:blipFill>
+        <p:spPr>
+          <a:xfrm>
+            <a:off x="6640215" y="4471178"/>
+            <a:ext cx="1182858" cy="1182858"/>
+          </a:xfrm>
+          <a:prstGeom prst="rect">
+            <a:avLst/>
+          </a:prstGeom>
+        </p:spPr>
+      </p:pic>
+      <p:pic>
+        <p:nvPicPr>
+          <p:cNvPr id="26" name="Picture 25">
+            <a:extLst>
+              <a:ext uri="{FF2B5EF4-FFF2-40B4-BE49-F238E27FC236}">
+                <a16:creationId xmlns:a16="http://schemas.microsoft.com/office/drawing/2014/main" id="{1447FBAC-0BF6-42D8-971C-3C9A7FFE508D}"/>
+              </a:ext>
+            </a:extLst>
+          </p:cNvPr>
+          <p:cNvPicPr>
+            <a:picLocks noChangeAspect="1"/>
+          </p:cNvPicPr>
+          <p:nvPr/>
+        </p:nvPicPr>
+        <p:blipFill>
+          <a:blip r:embed="rId2"/>
+          <a:stretch>
+            <a:fillRect/>
+          </a:stretch>
+        </p:blipFill>
+        <p:spPr>
+          <a:xfrm>
+            <a:off x="6925951" y="4581374"/>
+            <a:ext cx="1182858" cy="1182858"/>
+          </a:xfrm>
+          <a:prstGeom prst="rect">
+            <a:avLst/>
+          </a:prstGeom>
+        </p:spPr>
+      </p:pic>
+      <p:pic>
+        <p:nvPicPr>
+          <p:cNvPr id="27" name="Picture 26">
+            <a:extLst>
+              <a:ext uri="{FF2B5EF4-FFF2-40B4-BE49-F238E27FC236}">
+                <a16:creationId xmlns:a16="http://schemas.microsoft.com/office/drawing/2014/main" id="{09D43A08-0565-4176-82FC-6E6579663095}"/>
+              </a:ext>
+            </a:extLst>
+          </p:cNvPr>
+          <p:cNvPicPr>
+            <a:picLocks noChangeAspect="1"/>
+          </p:cNvPicPr>
+          <p:nvPr/>
+        </p:nvPicPr>
+        <p:blipFill>
+          <a:blip r:embed="rId2"/>
+          <a:stretch>
+            <a:fillRect/>
+          </a:stretch>
+        </p:blipFill>
+        <p:spPr>
+          <a:xfrm>
+            <a:off x="7200582" y="4468830"/>
+            <a:ext cx="1182858" cy="1182858"/>
+          </a:xfrm>
+          <a:prstGeom prst="rect">
+            <a:avLst/>
+          </a:prstGeom>
+        </p:spPr>
+      </p:pic>
+      <p:pic>
+        <p:nvPicPr>
+          <p:cNvPr id="28" name="Picture 27">
+            <a:extLst>
+              <a:ext uri="{FF2B5EF4-FFF2-40B4-BE49-F238E27FC236}">
+                <a16:creationId xmlns:a16="http://schemas.microsoft.com/office/drawing/2014/main" id="{F7712BEC-2C0F-4371-83B1-2F05BBCD66DB}"/>
+              </a:ext>
+            </a:extLst>
+          </p:cNvPr>
+          <p:cNvPicPr>
+            <a:picLocks noChangeAspect="1"/>
+          </p:cNvPicPr>
+          <p:nvPr/>
+        </p:nvPicPr>
+        <p:blipFill>
+          <a:blip r:embed="rId2"/>
+          <a:stretch>
+            <a:fillRect/>
+          </a:stretch>
+        </p:blipFill>
+        <p:spPr>
+          <a:xfrm>
+            <a:off x="7200578" y="4468831"/>
+            <a:ext cx="1182858" cy="1182858"/>
+          </a:xfrm>
+          <a:prstGeom prst="rect">
+            <a:avLst/>
+          </a:prstGeom>
+        </p:spPr>
+      </p:pic>
+      <p:pic>
+        <p:nvPicPr>
+          <p:cNvPr id="29" name="Picture 28">
+            <a:extLst>
+              <a:ext uri="{FF2B5EF4-FFF2-40B4-BE49-F238E27FC236}">
+                <a16:creationId xmlns:a16="http://schemas.microsoft.com/office/drawing/2014/main" id="{BFDB2B2C-B60E-41EB-86F8-C822791C0319}"/>
+              </a:ext>
+            </a:extLst>
+          </p:cNvPr>
+          <p:cNvPicPr>
+            <a:picLocks noChangeAspect="1"/>
+          </p:cNvPicPr>
+          <p:nvPr/>
+        </p:nvPicPr>
+        <p:blipFill>
+          <a:blip r:embed="rId2"/>
+          <a:stretch>
+            <a:fillRect/>
+          </a:stretch>
+        </p:blipFill>
+        <p:spPr>
+          <a:xfrm>
+            <a:off x="7486314" y="4579027"/>
+            <a:ext cx="1182858" cy="1182858"/>
+          </a:xfrm>
+          <a:prstGeom prst="rect">
+            <a:avLst/>
+          </a:prstGeom>
+        </p:spPr>
+      </p:pic>
+      <p:pic>
+        <p:nvPicPr>
+          <p:cNvPr id="30" name="Picture 29">
+            <a:extLst>
+              <a:ext uri="{FF2B5EF4-FFF2-40B4-BE49-F238E27FC236}">
+                <a16:creationId xmlns:a16="http://schemas.microsoft.com/office/drawing/2014/main" id="{449BB7EF-4E1D-420B-A294-D57AC20EE882}"/>
+              </a:ext>
+            </a:extLst>
+          </p:cNvPr>
+          <p:cNvPicPr>
+            <a:picLocks noChangeAspect="1"/>
+          </p:cNvPicPr>
+          <p:nvPr/>
+        </p:nvPicPr>
+        <p:blipFill>
+          <a:blip r:embed="rId2"/>
+          <a:stretch>
+            <a:fillRect/>
+          </a:stretch>
+        </p:blipFill>
+        <p:spPr>
+          <a:xfrm>
+            <a:off x="7760945" y="4466483"/>
+            <a:ext cx="1182858" cy="1182858"/>
+          </a:xfrm>
+          <a:prstGeom prst="rect">
+            <a:avLst/>
+          </a:prstGeom>
+        </p:spPr>
+      </p:pic>
+    </p:spTree>
+    <p:extLst>
+      <p:ext uri="{BB962C8B-B14F-4D97-AF65-F5344CB8AC3E}">
+        <p14:creationId xmlns:p14="http://schemas.microsoft.com/office/powerpoint/2010/main" val="3466387757"/>
+      </p:ext>
+    </p:extLst>
+  </p:cSld>
+  <p:clrMapOvr>
+    <a:masterClrMapping/>
+  </p:clrMapOvr>
+</p:sld>
+</file>
+
+<file path=ppt/slides/slide5.xml><?xml version="1.0" encoding="utf-8"?>
+<p:sld xmlns:a="http://schemas.openxmlformats.org/drawingml/2006/main" xmlns:r="http://schemas.openxmlformats.org/officeDocument/2006/relationships" xmlns:p="http://schemas.openxmlformats.org/presentationml/2006/main">
+  <p:cSld>
+    <p:spTree>
+      <p:nvGrpSpPr>
+        <p:cNvPr id="1" name=""/>
+        <p:cNvGrpSpPr/>
+        <p:nvPr/>
+      </p:nvGrpSpPr>
+      <p:grpSpPr>
+        <a:xfrm>
+          <a:off x="0" y="0"/>
+          <a:ext cx="0" cy="0"/>
+          <a:chOff x="0" y="0"/>
+          <a:chExt cx="0" cy="0"/>
+        </a:xfrm>
+      </p:grpSpPr>
+      <p:sp>
+        <p:nvSpPr>
+          <p:cNvPr id="2" name="Title 1">
+            <a:extLst>
+              <a:ext uri="{FF2B5EF4-FFF2-40B4-BE49-F238E27FC236}">
+                <a16:creationId xmlns:a16="http://schemas.microsoft.com/office/drawing/2014/main" id="{01E8F337-4C96-4BB8-AC28-DCB2F2340C6C}"/>
+              </a:ext>
+            </a:extLst>
+          </p:cNvPr>
+          <p:cNvSpPr>
+            <a:spLocks noGrp="1"/>
+          </p:cNvSpPr>
+          <p:nvPr>
+            <p:ph type="title"/>
+          </p:nvPr>
+        </p:nvSpPr>
+        <p:spPr/>
+        <p:txBody>
+          <a:bodyPr/>
+          <a:lstStyle/>
+          <a:p>
+            <a:r>
+              <a:rPr lang="es-AR" dirty="0"/>
+              <a:t>solución</a:t>
+            </a:r>
+            <a:endParaRPr lang="en-US" dirty="0"/>
+          </a:p>
+        </p:txBody>
+      </p:sp>
+      <p:sp>
+        <p:nvSpPr>
+          <p:cNvPr id="3" name="Content Placeholder 2">
+            <a:extLst>
+              <a:ext uri="{FF2B5EF4-FFF2-40B4-BE49-F238E27FC236}">
+                <a16:creationId xmlns:a16="http://schemas.microsoft.com/office/drawing/2014/main" id="{C8978E18-A5AE-4738-9075-DCCD73FEE095}"/>
+              </a:ext>
+            </a:extLst>
+          </p:cNvPr>
+          <p:cNvSpPr>
+            <a:spLocks noGrp="1"/>
+          </p:cNvSpPr>
+          <p:nvPr>
+            <p:ph idx="1"/>
+          </p:nvPr>
+        </p:nvSpPr>
+        <p:spPr>
+          <a:xfrm>
+            <a:off x="980662" y="1775789"/>
+            <a:ext cx="10228318" cy="4543944"/>
+          </a:xfrm>
+        </p:spPr>
+        <p:txBody>
+          <a:bodyPr>
+            <a:normAutofit/>
+          </a:bodyPr>
+          <a:lstStyle/>
+          <a:p>
+            <a:r>
+              <a:rPr lang="es-AR" dirty="0"/>
+              <a:t>BLIND-SOCIAL MOBILE APP</a:t>
+            </a:r>
+          </a:p>
+          <a:p>
+            <a:pPr lvl="1"/>
+            <a:r>
+              <a:rPr lang="es-AR" dirty="0"/>
+              <a:t>Procesamiento de Imágenes</a:t>
+            </a:r>
+          </a:p>
+          <a:p>
+            <a:pPr lvl="2"/>
+            <a:r>
+              <a:rPr lang="es-AR" dirty="0"/>
+              <a:t>Objetos</a:t>
+            </a:r>
+          </a:p>
+          <a:p>
+            <a:pPr lvl="2"/>
+            <a:r>
+              <a:rPr lang="es-AR" dirty="0"/>
+              <a:t>Paisajes</a:t>
+            </a:r>
+          </a:p>
+          <a:p>
+            <a:pPr lvl="1"/>
+            <a:r>
+              <a:rPr lang="es-AR" dirty="0"/>
+              <a:t>Comunicar publicaciones en redes sociales</a:t>
+            </a:r>
+          </a:p>
+          <a:p>
+            <a:pPr lvl="2"/>
+            <a:r>
+              <a:rPr lang="es-AR" dirty="0"/>
+              <a:t>Texto publicado</a:t>
+            </a:r>
+          </a:p>
+          <a:p>
+            <a:pPr lvl="2"/>
+            <a:r>
+              <a:rPr lang="es-AR" dirty="0"/>
+              <a:t>Personas etiquetadas</a:t>
+            </a:r>
+          </a:p>
+          <a:p>
+            <a:pPr lvl="2"/>
+            <a:r>
+              <a:rPr lang="es-AR" dirty="0"/>
+              <a:t>Lugar</a:t>
+            </a:r>
+          </a:p>
+          <a:p>
+            <a:pPr lvl="2"/>
+            <a:r>
+              <a:rPr lang="es-AR" dirty="0"/>
+              <a:t>Fecha</a:t>
+            </a:r>
+          </a:p>
+          <a:p>
+            <a:pPr lvl="2"/>
+            <a:r>
+              <a:rPr lang="es-AR" dirty="0"/>
+              <a:t>Cantidad de “</a:t>
+            </a:r>
+            <a:r>
+              <a:rPr lang="es-AR" dirty="0" err="1"/>
+              <a:t>likes</a:t>
+            </a:r>
+            <a:r>
+              <a:rPr lang="es-AR" dirty="0"/>
+              <a:t>”, comentarios y cantidad de veces compartido</a:t>
+            </a:r>
+          </a:p>
+          <a:p>
+            <a:pPr lvl="2"/>
+            <a:r>
+              <a:rPr lang="es-AR" dirty="0"/>
+              <a:t>Descripción de la imagen publicada</a:t>
+            </a:r>
+          </a:p>
+          <a:p>
+            <a:pPr lvl="1"/>
+            <a:endParaRPr lang="es-AR" dirty="0"/>
+          </a:p>
+          <a:p>
+            <a:pPr lvl="2"/>
+            <a:endParaRPr lang="es-AR" dirty="0"/>
+          </a:p>
+        </p:txBody>
+      </p:sp>
+    </p:spTree>
+    <p:extLst>
+      <p:ext uri="{BB962C8B-B14F-4D97-AF65-F5344CB8AC3E}">
+        <p14:creationId xmlns:p14="http://schemas.microsoft.com/office/powerpoint/2010/main" val="2454017462"/>
+      </p:ext>
+    </p:extLst>
+  </p:cSld>
+  <p:clrMapOvr>
+    <a:masterClrMapping/>
+  </p:clrMapOvr>
+</p:sld>
+</file>
+
+<file path=ppt/slides/slide6.xml><?xml version="1.0" encoding="utf-8"?>
+<p:sld xmlns:a="http://schemas.openxmlformats.org/drawingml/2006/main" xmlns:r="http://schemas.openxmlformats.org/officeDocument/2006/relationships" xmlns:p="http://schemas.openxmlformats.org/presentationml/2006/main">
+  <p:cSld>
+    <p:spTree>
+      <p:nvGrpSpPr>
+        <p:cNvPr id="1" name=""/>
+        <p:cNvGrpSpPr/>
+        <p:nvPr/>
+      </p:nvGrpSpPr>
+      <p:grpSpPr>
+        <a:xfrm>
+          <a:off x="0" y="0"/>
+          <a:ext cx="0" cy="0"/>
+          <a:chOff x="0" y="0"/>
+          <a:chExt cx="0" cy="0"/>
+        </a:xfrm>
+      </p:grpSpPr>
+      <p:sp>
+        <p:nvSpPr>
+          <p:cNvPr id="2" name="Title 1">
+            <a:extLst>
+              <a:ext uri="{FF2B5EF4-FFF2-40B4-BE49-F238E27FC236}">
+                <a16:creationId xmlns:a16="http://schemas.microsoft.com/office/drawing/2014/main" id="{01E8F337-4C96-4BB8-AC28-DCB2F2340C6C}"/>
+              </a:ext>
+            </a:extLst>
+          </p:cNvPr>
+          <p:cNvSpPr>
+            <a:spLocks noGrp="1"/>
+          </p:cNvSpPr>
+          <p:nvPr>
+            <p:ph type="title"/>
+          </p:nvPr>
+        </p:nvSpPr>
+        <p:spPr/>
+        <p:txBody>
+          <a:bodyPr/>
+          <a:lstStyle/>
+          <a:p>
+            <a:r>
+              <a:rPr lang="es-AR" dirty="0"/>
+              <a:t>solución</a:t>
+            </a:r>
+            <a:endParaRPr lang="en-US" dirty="0"/>
+          </a:p>
+        </p:txBody>
+      </p:sp>
+      <p:sp>
+        <p:nvSpPr>
+          <p:cNvPr id="3" name="Content Placeholder 2">
+            <a:extLst>
+              <a:ext uri="{FF2B5EF4-FFF2-40B4-BE49-F238E27FC236}">
+                <a16:creationId xmlns:a16="http://schemas.microsoft.com/office/drawing/2014/main" id="{C8978E18-A5AE-4738-9075-DCCD73FEE095}"/>
+              </a:ext>
+            </a:extLst>
+          </p:cNvPr>
+          <p:cNvSpPr>
+            <a:spLocks noGrp="1"/>
+          </p:cNvSpPr>
+          <p:nvPr>
+            <p:ph idx="1"/>
+          </p:nvPr>
+        </p:nvSpPr>
+        <p:spPr>
+          <a:xfrm>
+            <a:off x="1451578" y="1989227"/>
+            <a:ext cx="9291215" cy="3450613"/>
+          </a:xfrm>
+        </p:spPr>
+        <p:txBody>
+          <a:bodyPr anchor="ctr">
+            <a:normAutofit/>
+          </a:bodyPr>
+          <a:lstStyle/>
+          <a:p>
+            <a:pPr marL="0" indent="0" algn="ctr">
+              <a:buNone/>
+            </a:pPr>
+            <a:r>
+              <a:rPr lang="es-AR" sz="6600" dirty="0"/>
+              <a:t>DEMO</a:t>
+            </a:r>
+            <a:endParaRPr lang="en-US" dirty="0"/>
+          </a:p>
+        </p:txBody>
+      </p:sp>
+    </p:spTree>
+    <p:extLst>
+      <p:ext uri="{BB962C8B-B14F-4D97-AF65-F5344CB8AC3E}">
+        <p14:creationId xmlns:p14="http://schemas.microsoft.com/office/powerpoint/2010/main" val="503534518"/>
       </p:ext>
     </p:extLst>
   </p:cSld>
